--- a/Fase 2/Evidencias del proyecto/Capstone Roguelike.pptx
+++ b/Fase 2/Evidencias del proyecto/Capstone Roguelike.pptx
@@ -278,8 +278,11 @@
     </a:lvl9pPr>
   </p:defaultTextStyle>
   <p:extLst>
+    <p:ext uri="{EFAFB233-063F-42B5-8137-9DF3F51BA10A}">
+      <p15:sldGuideLst xmlns:p15="http://schemas.microsoft.com/office/powerpoint/2012/main"/>
+    </p:ext>
     <p:ext uri="GoogleSlidesCustomDataVersion2">
-      <go:slidesCustomData xmlns:go="http://customooxmlschemas.google.com/" xmlns:ahyp="http://schemas.microsoft.com/office/drawing/2018/hyperlinkcolor" xmlns:p15="http://schemas.microsoft.com/office/powerpoint/2012/main" xmlns:p14="http://schemas.microsoft.com/office/powerpoint/2010/main" xmlns:com="http://schemas.openxmlformats.org/drawingml/2006/compatibility" xmlns:pvml="urn:schemas-microsoft-com:office:powerpoint" xmlns:v="urn:schemas-microsoft-com:vml" xmlns:o="urn:schemas-microsoft-com:office:office" xmlns:dgm="http://schemas.openxmlformats.org/drawingml/2006/diagram" xmlns:c="http://schemas.openxmlformats.org/drawingml/2006/chart" xmlns:mv="urn:schemas-microsoft-com:mac:vml" xmlns:mc="http://schemas.openxmlformats.org/markup-compatibility/2006" xmlns="" r:id="rId31" roundtripDataSignature="AMtx7mgHDseopEg/zt0VhjCRqt+O61N4rA=="/>
+      <go:slidesCustomData xmlns="" xmlns:mc="http://schemas.openxmlformats.org/markup-compatibility/2006" xmlns:mv="urn:schemas-microsoft-com:mac:vml" xmlns:c="http://schemas.openxmlformats.org/drawingml/2006/chart" xmlns:dgm="http://schemas.openxmlformats.org/drawingml/2006/diagram" xmlns:o="urn:schemas-microsoft-com:office:office" xmlns:v="urn:schemas-microsoft-com:vml" xmlns:pvml="urn:schemas-microsoft-com:office:powerpoint" xmlns:com="http://schemas.openxmlformats.org/drawingml/2006/compatibility" xmlns:p14="http://schemas.microsoft.com/office/powerpoint/2010/main" xmlns:p15="http://schemas.microsoft.com/office/powerpoint/2012/main" xmlns:ahyp="http://schemas.microsoft.com/office/drawing/2018/hyperlinkcolor" xmlns:go="http://customooxmlschemas.google.com/" r:id="rId31" roundtripDataSignature="AMtx7mgHDseopEg/zt0VhjCRqt+O61N4rA=="/>
     </p:ext>
   </p:extLst>
 </p:presentation>
@@ -939,8 +942,8 @@
         </p:nvSpPr>
         <p:spPr>
           <a:xfrm>
-            <a:off x="1143225" y="685800"/>
-            <a:ext cx="4572225" cy="3429000"/>
+            <a:off x="381000" y="685800"/>
+            <a:ext cx="6096000" cy="3429000"/>
           </a:xfrm>
           <a:custGeom>
             <a:avLst/>
@@ -1671,8 +1674,8 @@
         </p:nvSpPr>
         <p:spPr>
           <a:xfrm>
-            <a:off x="1143225" y="685800"/>
-            <a:ext cx="4572225" cy="3429000"/>
+            <a:off x="381000" y="685800"/>
+            <a:ext cx="6096000" cy="3429000"/>
           </a:xfrm>
           <a:custGeom>
             <a:avLst/>
@@ -1793,8 +1796,8 @@
         </p:nvSpPr>
         <p:spPr>
           <a:xfrm>
-            <a:off x="1143225" y="685800"/>
-            <a:ext cx="4572225" cy="3429000"/>
+            <a:off x="381000" y="685800"/>
+            <a:ext cx="6096000" cy="3429000"/>
           </a:xfrm>
           <a:custGeom>
             <a:avLst/>
@@ -2182,8 +2185,8 @@
         </p:nvSpPr>
         <p:spPr>
           <a:xfrm>
-            <a:off x="1143225" y="685800"/>
-            <a:ext cx="4572225" cy="3429000"/>
+            <a:off x="381000" y="685800"/>
+            <a:ext cx="6096000" cy="3429000"/>
           </a:xfrm>
           <a:custGeom>
             <a:avLst/>
@@ -2426,8 +2429,8 @@
         </p:nvSpPr>
         <p:spPr>
           <a:xfrm>
-            <a:off x="1143225" y="685800"/>
-            <a:ext cx="4572225" cy="3429000"/>
+            <a:off x="381000" y="685800"/>
+            <a:ext cx="6096000" cy="3429000"/>
           </a:xfrm>
           <a:custGeom>
             <a:avLst/>
@@ -19916,15 +19919,24 @@
               <a:buNone/>
             </a:pPr>
             <a:r>
-              <a:rPr lang="es-CL" sz="5400">
+              <a:rPr lang="es-CL" sz="5400" dirty="0">
                 <a:latin typeface="Arial Black"/>
                 <a:ea typeface="Arial Black"/>
                 <a:cs typeface="Arial Black"/>
                 <a:sym typeface="Arial Black"/>
               </a:rPr>
-              <a:t>Proyecto Capstone</a:t>
+              <a:t>Proyecto </a:t>
             </a:r>
-            <a:endParaRPr sz="5400">
+            <a:r>
+              <a:rPr lang="es-CL" sz="5400" dirty="0" err="1">
+                <a:latin typeface="Arial Black"/>
+                <a:ea typeface="Arial Black"/>
+                <a:cs typeface="Arial Black"/>
+                <a:sym typeface="Arial Black"/>
+              </a:rPr>
+              <a:t>Capstone</a:t>
+            </a:r>
+            <a:endParaRPr sz="5400" dirty="0">
               <a:latin typeface="Arial Black"/>
               <a:ea typeface="Arial Black"/>
               <a:cs typeface="Arial Black"/>
@@ -20026,29 +20038,32 @@
       </p:sp>
       <p:pic>
         <p:nvPicPr>
-          <p:cNvPr id="108" name="Google Shape;108;p1" descr="-SET ESTUDIANTES DUOC HOTELERÍA | YOUniforms"/>
-          <p:cNvPicPr preferRelativeResize="0"/>
+          <p:cNvPr id="3" name="Imagen 2" descr="Logotipo&#10;&#10;Descripción generada automáticamente">
+            <a:extLst>
+              <a:ext uri="{FF2B5EF4-FFF2-40B4-BE49-F238E27FC236}">
+                <a16:creationId xmlns:a16="http://schemas.microsoft.com/office/drawing/2014/main" id="{7033C2DE-A4E3-AC01-F867-DCB84C4C6D9A}"/>
+              </a:ext>
+            </a:extLst>
+          </p:cNvPr>
+          <p:cNvPicPr>
+            <a:picLocks noChangeAspect="1"/>
+          </p:cNvPicPr>
           <p:nvPr/>
         </p:nvPicPr>
-        <p:blipFill rotWithShape="1">
-          <a:blip r:embed="rId3">
-            <a:alphaModFix/>
-          </a:blip>
-          <a:srcRect/>
-          <a:stretch/>
+        <p:blipFill>
+          <a:blip r:embed="rId3"/>
+          <a:stretch>
+            <a:fillRect/>
+          </a:stretch>
         </p:blipFill>
         <p:spPr>
           <a:xfrm>
-            <a:off x="9511578" y="387851"/>
-            <a:ext cx="2194560" cy="453771"/>
+            <a:off x="9287051" y="235039"/>
+            <a:ext cx="2723107" cy="670140"/>
           </a:xfrm>
           <a:prstGeom prst="rect">
             <a:avLst/>
           </a:prstGeom>
-          <a:noFill/>
-          <a:ln>
-            <a:noFill/>
-          </a:ln>
         </p:spPr>
       </p:pic>
     </p:spTree>
@@ -20596,29 +20611,32 @@
       </p:pic>
       <p:pic>
         <p:nvPicPr>
-          <p:cNvPr id="222" name="Google Shape;222;p10" descr="-SET ESTUDIANTES DUOC HOTELERÍA | YOUniforms"/>
-          <p:cNvPicPr preferRelativeResize="0"/>
+          <p:cNvPr id="2" name="Imagen 1" descr="Logotipo&#10;&#10;Descripción generada automáticamente">
+            <a:extLst>
+              <a:ext uri="{FF2B5EF4-FFF2-40B4-BE49-F238E27FC236}">
+                <a16:creationId xmlns:a16="http://schemas.microsoft.com/office/drawing/2014/main" id="{6EBF23A8-0547-EECB-959E-DF26179D7BA8}"/>
+              </a:ext>
+            </a:extLst>
+          </p:cNvPr>
+          <p:cNvPicPr>
+            <a:picLocks noChangeAspect="1"/>
+          </p:cNvPicPr>
           <p:nvPr/>
         </p:nvPicPr>
-        <p:blipFill rotWithShape="1">
-          <a:blip r:embed="rId4">
-            <a:alphaModFix/>
-          </a:blip>
-          <a:srcRect/>
-          <a:stretch/>
+        <p:blipFill>
+          <a:blip r:embed="rId4"/>
+          <a:stretch>
+            <a:fillRect/>
+          </a:stretch>
         </p:blipFill>
         <p:spPr>
           <a:xfrm>
-            <a:off x="9511578" y="387851"/>
-            <a:ext cx="2194560" cy="453771"/>
+            <a:off x="9287051" y="235039"/>
+            <a:ext cx="2723107" cy="670140"/>
           </a:xfrm>
           <a:prstGeom prst="rect">
             <a:avLst/>
           </a:prstGeom>
-          <a:noFill/>
-          <a:ln>
-            <a:noFill/>
-          </a:ln>
         </p:spPr>
       </p:pic>
     </p:spTree>
@@ -21775,39 +21793,12 @@
       </p:grpSp>
       <p:pic>
         <p:nvPicPr>
-          <p:cNvPr id="244" name="Google Shape;244;p11" descr="-SET ESTUDIANTES DUOC HOTELERÍA | YOUniforms"/>
+          <p:cNvPr id="245" name="Google Shape;245;p11" descr="Godot Engine logo (monochrome for light backgrounds)"/>
           <p:cNvPicPr preferRelativeResize="0"/>
           <p:nvPr/>
         </p:nvPicPr>
         <p:blipFill rotWithShape="1">
           <a:blip r:embed="rId3">
-            <a:alphaModFix/>
-          </a:blip>
-          <a:srcRect/>
-          <a:stretch/>
-        </p:blipFill>
-        <p:spPr>
-          <a:xfrm>
-            <a:off x="9511578" y="387851"/>
-            <a:ext cx="2194560" cy="453771"/>
-          </a:xfrm>
-          <a:prstGeom prst="rect">
-            <a:avLst/>
-          </a:prstGeom>
-          <a:noFill/>
-          <a:ln>
-            <a:noFill/>
-          </a:ln>
-        </p:spPr>
-      </p:pic>
-      <p:pic>
-        <p:nvPicPr>
-          <p:cNvPr id="245" name="Google Shape;245;p11" descr="Godot Engine logo (monochrome for light backgrounds)"/>
-          <p:cNvPicPr preferRelativeResize="0"/>
-          <p:nvPr/>
-        </p:nvPicPr>
-        <p:blipFill rotWithShape="1">
-          <a:blip r:embed="rId4">
             <a:alphaModFix/>
           </a:blip>
           <a:srcRect/>
@@ -21834,7 +21825,7 @@
           <p:nvPr/>
         </p:nvPicPr>
         <p:blipFill rotWithShape="1">
-          <a:blip r:embed="rId5">
+          <a:blip r:embed="rId4">
             <a:alphaModFix/>
           </a:blip>
           <a:srcRect/>
@@ -21861,7 +21852,7 @@
           <p:nvPr/>
         </p:nvPicPr>
         <p:blipFill rotWithShape="1">
-          <a:blip r:embed="rId6">
+          <a:blip r:embed="rId5">
             <a:alphaModFix/>
           </a:blip>
           <a:srcRect/>
@@ -21888,7 +21879,7 @@
           <p:nvPr/>
         </p:nvPicPr>
         <p:blipFill rotWithShape="1">
-          <a:blip r:embed="rId7">
+          <a:blip r:embed="rId6">
             <a:alphaModFix/>
           </a:blip>
           <a:srcRect/>
@@ -21915,7 +21906,7 @@
           <p:nvPr/>
         </p:nvPicPr>
         <p:blipFill rotWithShape="1">
-          <a:blip r:embed="rId8">
+          <a:blip r:embed="rId7">
             <a:alphaModFix/>
           </a:blip>
           <a:srcRect/>
@@ -21933,6 +21924,36 @@
           <a:ln>
             <a:noFill/>
           </a:ln>
+        </p:spPr>
+      </p:pic>
+      <p:pic>
+        <p:nvPicPr>
+          <p:cNvPr id="3" name="Imagen 2" descr="Logotipo&#10;&#10;Descripción generada automáticamente">
+            <a:extLst>
+              <a:ext uri="{FF2B5EF4-FFF2-40B4-BE49-F238E27FC236}">
+                <a16:creationId xmlns:a16="http://schemas.microsoft.com/office/drawing/2014/main" id="{9DC0ABBD-C76F-05A5-4F9F-66920D88F0C3}"/>
+              </a:ext>
+            </a:extLst>
+          </p:cNvPr>
+          <p:cNvPicPr>
+            <a:picLocks noChangeAspect="1"/>
+          </p:cNvPicPr>
+          <p:nvPr/>
+        </p:nvPicPr>
+        <p:blipFill>
+          <a:blip r:embed="rId8"/>
+          <a:stretch>
+            <a:fillRect/>
+          </a:stretch>
+        </p:blipFill>
+        <p:spPr>
+          <a:xfrm>
+            <a:off x="9287051" y="235039"/>
+            <a:ext cx="2723107" cy="670140"/>
+          </a:xfrm>
+          <a:prstGeom prst="rect">
+            <a:avLst/>
+          </a:prstGeom>
         </p:spPr>
       </p:pic>
     </p:spTree>
@@ -22463,7 +22484,7 @@
               <a:buNone/>
             </a:pPr>
             <a:r>
-              <a:rPr lang="es-CL" sz="7200" cap="none">
+              <a:rPr lang="es-CL" sz="7200" cap="none" dirty="0">
                 <a:latin typeface="Arial Black"/>
                 <a:ea typeface="Arial Black"/>
                 <a:cs typeface="Arial Black"/>
@@ -22471,7 +22492,7 @@
               </a:rPr>
               <a:t>DEMOSTRACIÓN DEL PROYECTO</a:t>
             </a:r>
-            <a:endParaRPr sz="7200" cap="none">
+            <a:endParaRPr sz="7200" cap="none" dirty="0">
               <a:latin typeface="Arial Black"/>
               <a:ea typeface="Arial Black"/>
               <a:cs typeface="Arial Black"/>
@@ -23440,29 +23461,32 @@
       </p:grpSp>
       <p:pic>
         <p:nvPicPr>
-          <p:cNvPr id="280" name="Google Shape;280;p13" descr="-SET ESTUDIANTES DUOC HOTELERÍA | YOUniforms"/>
-          <p:cNvPicPr preferRelativeResize="0"/>
+          <p:cNvPr id="2" name="Imagen 1" descr="Logotipo&#10;&#10;Descripción generada automáticamente">
+            <a:extLst>
+              <a:ext uri="{FF2B5EF4-FFF2-40B4-BE49-F238E27FC236}">
+                <a16:creationId xmlns:a16="http://schemas.microsoft.com/office/drawing/2014/main" id="{4644A295-B1A7-DB92-D761-96D615F04411}"/>
+              </a:ext>
+            </a:extLst>
+          </p:cNvPr>
+          <p:cNvPicPr>
+            <a:picLocks noChangeAspect="1"/>
+          </p:cNvPicPr>
           <p:nvPr/>
         </p:nvPicPr>
-        <p:blipFill rotWithShape="1">
-          <a:blip r:embed="rId3">
-            <a:alphaModFix/>
-          </a:blip>
-          <a:srcRect/>
-          <a:stretch/>
+        <p:blipFill>
+          <a:blip r:embed="rId3"/>
+          <a:stretch>
+            <a:fillRect/>
+          </a:stretch>
         </p:blipFill>
         <p:spPr>
           <a:xfrm>
-            <a:off x="9511578" y="387851"/>
-            <a:ext cx="2194560" cy="453771"/>
+            <a:off x="9287051" y="235039"/>
+            <a:ext cx="2723107" cy="670140"/>
           </a:xfrm>
           <a:prstGeom prst="rect">
             <a:avLst/>
           </a:prstGeom>
-          <a:noFill/>
-          <a:ln>
-            <a:noFill/>
-          </a:ln>
         </p:spPr>
       </p:pic>
     </p:spTree>
@@ -24387,29 +24411,32 @@
       </p:grpSp>
       <p:pic>
         <p:nvPicPr>
-          <p:cNvPr id="297" name="Google Shape;297;p14" descr="-SET ESTUDIANTES DUOC HOTELERÍA | YOUniforms"/>
-          <p:cNvPicPr preferRelativeResize="0"/>
+          <p:cNvPr id="2" name="Imagen 1" descr="Logotipo&#10;&#10;Descripción generada automáticamente">
+            <a:extLst>
+              <a:ext uri="{FF2B5EF4-FFF2-40B4-BE49-F238E27FC236}">
+                <a16:creationId xmlns:a16="http://schemas.microsoft.com/office/drawing/2014/main" id="{3B663EC2-F37C-6547-4FFA-4745C8923DFF}"/>
+              </a:ext>
+            </a:extLst>
+          </p:cNvPr>
+          <p:cNvPicPr>
+            <a:picLocks noChangeAspect="1"/>
+          </p:cNvPicPr>
           <p:nvPr/>
         </p:nvPicPr>
-        <p:blipFill rotWithShape="1">
-          <a:blip r:embed="rId3">
-            <a:alphaModFix/>
-          </a:blip>
-          <a:srcRect/>
-          <a:stretch/>
+        <p:blipFill>
+          <a:blip r:embed="rId3"/>
+          <a:stretch>
+            <a:fillRect/>
+          </a:stretch>
         </p:blipFill>
         <p:spPr>
           <a:xfrm>
-            <a:off x="9511578" y="387851"/>
-            <a:ext cx="2194560" cy="453771"/>
+            <a:off x="9287051" y="235039"/>
+            <a:ext cx="2723107" cy="670140"/>
           </a:xfrm>
           <a:prstGeom prst="rect">
             <a:avLst/>
           </a:prstGeom>
-          <a:noFill/>
-          <a:ln>
-            <a:noFill/>
-          </a:ln>
         </p:spPr>
       </p:pic>
     </p:spTree>
@@ -25818,33 +25845,6 @@
           </p:txBody>
         </p:sp>
       </p:grpSp>
-      <p:pic>
-        <p:nvPicPr>
-          <p:cNvPr id="123" name="Google Shape;123;p2" descr="-SET ESTUDIANTES DUOC HOTELERÍA | YOUniforms"/>
-          <p:cNvPicPr preferRelativeResize="0"/>
-          <p:nvPr/>
-        </p:nvPicPr>
-        <p:blipFill rotWithShape="1">
-          <a:blip r:embed="rId3">
-            <a:alphaModFix/>
-          </a:blip>
-          <a:srcRect/>
-          <a:stretch/>
-        </p:blipFill>
-        <p:spPr>
-          <a:xfrm>
-            <a:off x="9511578" y="387851"/>
-            <a:ext cx="2194560" cy="453771"/>
-          </a:xfrm>
-          <a:prstGeom prst="rect">
-            <a:avLst/>
-          </a:prstGeom>
-          <a:noFill/>
-          <a:ln>
-            <a:noFill/>
-          </a:ln>
-        </p:spPr>
-      </p:pic>
       <p:sp>
         <p:nvSpPr>
           <p:cNvPr id="124" name="Google Shape;124;p2"/>
@@ -25961,6 +25961,36 @@
           </a:p>
         </p:txBody>
       </p:sp>
+      <p:pic>
+        <p:nvPicPr>
+          <p:cNvPr id="2" name="Imagen 1" descr="Logotipo&#10;&#10;Descripción generada automáticamente">
+            <a:extLst>
+              <a:ext uri="{FF2B5EF4-FFF2-40B4-BE49-F238E27FC236}">
+                <a16:creationId xmlns:a16="http://schemas.microsoft.com/office/drawing/2014/main" id="{409D5C0A-AB36-53CA-857C-457188C40930}"/>
+              </a:ext>
+            </a:extLst>
+          </p:cNvPr>
+          <p:cNvPicPr>
+            <a:picLocks noChangeAspect="1"/>
+          </p:cNvPicPr>
+          <p:nvPr/>
+        </p:nvPicPr>
+        <p:blipFill>
+          <a:blip r:embed="rId3"/>
+          <a:stretch>
+            <a:fillRect/>
+          </a:stretch>
+        </p:blipFill>
+        <p:spPr>
+          <a:xfrm>
+            <a:off x="9287051" y="235039"/>
+            <a:ext cx="2723107" cy="670140"/>
+          </a:xfrm>
+          <a:prstGeom prst="rect">
+            <a:avLst/>
+          </a:prstGeom>
+        </p:spPr>
+      </p:pic>
     </p:spTree>
   </p:cSld>
   <p:clrMapOvr>
@@ -26351,37 +26381,40 @@
       </p:sp>
       <p:pic>
         <p:nvPicPr>
-          <p:cNvPr id="135" name="Google Shape;135;p3" descr="-SET ESTUDIANTES DUOC HOTELERÍA | YOUniforms"/>
-          <p:cNvPicPr preferRelativeResize="0"/>
+          <p:cNvPr id="3" name="Imagen 2" descr="Una caricatura de una persona&#10;&#10;Descripción generada automáticamente con confianza media">
+            <a:extLst>
+              <a:ext uri="{FF2B5EF4-FFF2-40B4-BE49-F238E27FC236}">
+                <a16:creationId xmlns:a16="http://schemas.microsoft.com/office/drawing/2014/main" id="{2588760F-159F-C87F-A786-6645CCEA187D}"/>
+              </a:ext>
+            </a:extLst>
+          </p:cNvPr>
+          <p:cNvPicPr>
+            <a:picLocks noChangeAspect="1"/>
+          </p:cNvPicPr>
           <p:nvPr/>
         </p:nvPicPr>
-        <p:blipFill rotWithShape="1">
-          <a:blip r:embed="rId5">
-            <a:alphaModFix/>
-          </a:blip>
-          <a:srcRect/>
-          <a:stretch/>
+        <p:blipFill>
+          <a:blip r:embed="rId5"/>
+          <a:stretch>
+            <a:fillRect/>
+          </a:stretch>
         </p:blipFill>
         <p:spPr>
           <a:xfrm>
-            <a:off x="9511578" y="387851"/>
-            <a:ext cx="2194560" cy="453771"/>
+            <a:off x="7763317" y="1689141"/>
+            <a:ext cx="4087868" cy="2914650"/>
           </a:xfrm>
           <a:prstGeom prst="rect">
             <a:avLst/>
           </a:prstGeom>
-          <a:noFill/>
-          <a:ln>
-            <a:noFill/>
-          </a:ln>
         </p:spPr>
       </p:pic>
       <p:pic>
         <p:nvPicPr>
-          <p:cNvPr id="3" name="Imagen 2" descr="Una caricatura de una persona&#10;&#10;Descripción generada automáticamente con confianza media">
+          <p:cNvPr id="2" name="Imagen 1" descr="Logotipo&#10;&#10;Descripción generada automáticamente">
             <a:extLst>
               <a:ext uri="{FF2B5EF4-FFF2-40B4-BE49-F238E27FC236}">
-                <a16:creationId xmlns:a16="http://schemas.microsoft.com/office/drawing/2014/main" id="{2588760F-159F-C87F-A786-6645CCEA187D}"/>
+                <a16:creationId xmlns:a16="http://schemas.microsoft.com/office/drawing/2014/main" id="{E29A2B28-8DD9-20C6-1483-5C6DE91FD7E8}"/>
               </a:ext>
             </a:extLst>
           </p:cNvPr>
@@ -26398,8 +26431,8 @@
         </p:blipFill>
         <p:spPr>
           <a:xfrm>
-            <a:off x="7763317" y="1689141"/>
-            <a:ext cx="4087868" cy="2914650"/>
+            <a:off x="9287051" y="235039"/>
+            <a:ext cx="2723107" cy="670140"/>
           </a:xfrm>
           <a:prstGeom prst="rect">
             <a:avLst/>
@@ -26849,35 +26882,32 @@
       </p:sp>
       <p:pic>
         <p:nvPicPr>
-          <p:cNvPr id="146" name="Google Shape;146;p4" descr="-SET ESTUDIANTES DUOC HOTELERÍA | YOUniforms">
+          <p:cNvPr id="5" name="Imagen 4" descr="Logotipo&#10;&#10;Descripción generada automáticamente">
             <a:extLst>
               <a:ext uri="{FF2B5EF4-FFF2-40B4-BE49-F238E27FC236}">
-                <a16:creationId xmlns:a16="http://schemas.microsoft.com/office/drawing/2014/main" id="{98ACE988-F572-6DFD-2D23-353DD28CF2F5}"/>
+                <a16:creationId xmlns:a16="http://schemas.microsoft.com/office/drawing/2014/main" id="{46262C2E-833C-EECD-4331-F18853A2F5C0}"/>
               </a:ext>
             </a:extLst>
           </p:cNvPr>
-          <p:cNvPicPr preferRelativeResize="0"/>
+          <p:cNvPicPr>
+            <a:picLocks noChangeAspect="1"/>
+          </p:cNvPicPr>
           <p:nvPr/>
         </p:nvPicPr>
-        <p:blipFill rotWithShape="1">
-          <a:blip r:embed="rId5">
-            <a:alphaModFix/>
-          </a:blip>
-          <a:srcRect/>
-          <a:stretch/>
+        <p:blipFill>
+          <a:blip r:embed="rId5"/>
+          <a:stretch>
+            <a:fillRect/>
+          </a:stretch>
         </p:blipFill>
         <p:spPr>
           <a:xfrm>
-            <a:off x="9511578" y="387851"/>
-            <a:ext cx="2194560" cy="453771"/>
+            <a:off x="9287051" y="235039"/>
+            <a:ext cx="2723107" cy="670140"/>
           </a:xfrm>
           <a:prstGeom prst="rect">
             <a:avLst/>
           </a:prstGeom>
-          <a:noFill/>
-          <a:ln>
-            <a:noFill/>
-          </a:ln>
         </p:spPr>
       </p:pic>
     </p:spTree>
@@ -27851,29 +27881,32 @@
       </p:grpSp>
       <p:pic>
         <p:nvPicPr>
-          <p:cNvPr id="165" name="Google Shape;165;p5" descr="-SET ESTUDIANTES DUOC HOTELERÍA | YOUniforms"/>
-          <p:cNvPicPr preferRelativeResize="0"/>
+          <p:cNvPr id="2" name="Imagen 1" descr="Logotipo&#10;&#10;Descripción generada automáticamente">
+            <a:extLst>
+              <a:ext uri="{FF2B5EF4-FFF2-40B4-BE49-F238E27FC236}">
+                <a16:creationId xmlns:a16="http://schemas.microsoft.com/office/drawing/2014/main" id="{032EB5B3-7E0C-DE91-AC92-4FD4342C9C2D}"/>
+              </a:ext>
+            </a:extLst>
+          </p:cNvPr>
+          <p:cNvPicPr>
+            <a:picLocks noChangeAspect="1"/>
+          </p:cNvPicPr>
           <p:nvPr/>
         </p:nvPicPr>
-        <p:blipFill rotWithShape="1">
-          <a:blip r:embed="rId3">
-            <a:alphaModFix/>
-          </a:blip>
-          <a:srcRect/>
-          <a:stretch/>
+        <p:blipFill>
+          <a:blip r:embed="rId3"/>
+          <a:stretch>
+            <a:fillRect/>
+          </a:stretch>
         </p:blipFill>
         <p:spPr>
           <a:xfrm>
-            <a:off x="9511578" y="387851"/>
-            <a:ext cx="2194560" cy="453771"/>
+            <a:off x="9287051" y="235039"/>
+            <a:ext cx="2723107" cy="670140"/>
           </a:xfrm>
           <a:prstGeom prst="rect">
             <a:avLst/>
           </a:prstGeom>
-          <a:noFill/>
-          <a:ln>
-            <a:noFill/>
-          </a:ln>
         </p:spPr>
       </p:pic>
     </p:spTree>
@@ -28804,29 +28837,32 @@
       </p:grpSp>
       <p:pic>
         <p:nvPicPr>
-          <p:cNvPr id="180" name="Google Shape;180;p6" descr="-SET ESTUDIANTES DUOC HOTELERÍA | YOUniforms"/>
-          <p:cNvPicPr preferRelativeResize="0"/>
+          <p:cNvPr id="2" name="Imagen 1" descr="Logotipo&#10;&#10;Descripción generada automáticamente">
+            <a:extLst>
+              <a:ext uri="{FF2B5EF4-FFF2-40B4-BE49-F238E27FC236}">
+                <a16:creationId xmlns:a16="http://schemas.microsoft.com/office/drawing/2014/main" id="{77AD4177-769B-5FE0-6BB5-2B2CF5B9F0BC}"/>
+              </a:ext>
+            </a:extLst>
+          </p:cNvPr>
+          <p:cNvPicPr>
+            <a:picLocks noChangeAspect="1"/>
+          </p:cNvPicPr>
           <p:nvPr/>
         </p:nvPicPr>
-        <p:blipFill rotWithShape="1">
-          <a:blip r:embed="rId3">
-            <a:alphaModFix/>
-          </a:blip>
-          <a:srcRect/>
-          <a:stretch/>
+        <p:blipFill>
+          <a:blip r:embed="rId3"/>
+          <a:stretch>
+            <a:fillRect/>
+          </a:stretch>
         </p:blipFill>
         <p:spPr>
           <a:xfrm>
-            <a:off x="9511578" y="387851"/>
-            <a:ext cx="2194560" cy="453771"/>
+            <a:off x="9287051" y="235039"/>
+            <a:ext cx="2723107" cy="670140"/>
           </a:xfrm>
           <a:prstGeom prst="rect">
             <a:avLst/>
           </a:prstGeom>
-          <a:noFill/>
-          <a:ln>
-            <a:noFill/>
-          </a:ln>
         </p:spPr>
       </p:pic>
     </p:spTree>
@@ -29134,29 +29170,32 @@
       </p:pic>
       <p:pic>
         <p:nvPicPr>
-          <p:cNvPr id="190" name="Google Shape;190;p7" descr="-SET ESTUDIANTES DUOC HOTELERÍA | YOUniforms"/>
-          <p:cNvPicPr preferRelativeResize="0"/>
+          <p:cNvPr id="2" name="Imagen 1" descr="Logotipo&#10;&#10;Descripción generada automáticamente">
+            <a:extLst>
+              <a:ext uri="{FF2B5EF4-FFF2-40B4-BE49-F238E27FC236}">
+                <a16:creationId xmlns:a16="http://schemas.microsoft.com/office/drawing/2014/main" id="{42A8B02B-64C4-D8B8-012E-60793D50F1F1}"/>
+              </a:ext>
+            </a:extLst>
+          </p:cNvPr>
+          <p:cNvPicPr>
+            <a:picLocks noChangeAspect="1"/>
+          </p:cNvPicPr>
           <p:nvPr/>
         </p:nvPicPr>
-        <p:blipFill rotWithShape="1">
-          <a:blip r:embed="rId4">
-            <a:alphaModFix/>
-          </a:blip>
-          <a:srcRect/>
-          <a:stretch/>
+        <p:blipFill>
+          <a:blip r:embed="rId4"/>
+          <a:stretch>
+            <a:fillRect/>
+          </a:stretch>
         </p:blipFill>
         <p:spPr>
           <a:xfrm>
-            <a:off x="9511578" y="387851"/>
-            <a:ext cx="2194560" cy="453771"/>
+            <a:off x="9287051" y="235039"/>
+            <a:ext cx="2723107" cy="670140"/>
           </a:xfrm>
           <a:prstGeom prst="rect">
             <a:avLst/>
           </a:prstGeom>
-          <a:noFill/>
-          <a:ln>
-            <a:noFill/>
-          </a:ln>
         </p:spPr>
       </p:pic>
     </p:spTree>
@@ -29256,7 +29295,7 @@
         </p:nvGraphicFramePr>
         <p:xfrm>
           <a:off x="1295400" y="1694508"/>
-          <a:ext cx="3000000" cy="3000000"/>
+          <a:ext cx="9601200" cy="4387000"/>
         </p:xfrm>
         <a:graphic>
           <a:graphicData uri="http://schemas.openxmlformats.org/drawingml/2006/table">
@@ -30775,29 +30814,32 @@
       </p:graphicFrame>
       <p:pic>
         <p:nvPicPr>
-          <p:cNvPr id="197" name="Google Shape;197;p8" descr="-SET ESTUDIANTES DUOC HOTELERÍA | YOUniforms"/>
-          <p:cNvPicPr preferRelativeResize="0"/>
+          <p:cNvPr id="2" name="Imagen 1" descr="Logotipo&#10;&#10;Descripción generada automáticamente">
+            <a:extLst>
+              <a:ext uri="{FF2B5EF4-FFF2-40B4-BE49-F238E27FC236}">
+                <a16:creationId xmlns:a16="http://schemas.microsoft.com/office/drawing/2014/main" id="{A00A9DCF-1245-487A-7022-215A136F71AA}"/>
+              </a:ext>
+            </a:extLst>
+          </p:cNvPr>
+          <p:cNvPicPr>
+            <a:picLocks noChangeAspect="1"/>
+          </p:cNvPicPr>
           <p:nvPr/>
         </p:nvPicPr>
-        <p:blipFill rotWithShape="1">
-          <a:blip r:embed="rId3">
-            <a:alphaModFix/>
-          </a:blip>
-          <a:srcRect/>
-          <a:stretch/>
+        <p:blipFill>
+          <a:blip r:embed="rId3"/>
+          <a:stretch>
+            <a:fillRect/>
+          </a:stretch>
         </p:blipFill>
         <p:spPr>
           <a:xfrm>
-            <a:off x="9511578" y="387851"/>
-            <a:ext cx="2194560" cy="453771"/>
+            <a:off x="9287051" y="235039"/>
+            <a:ext cx="2723107" cy="670140"/>
           </a:xfrm>
           <a:prstGeom prst="rect">
             <a:avLst/>
           </a:prstGeom>
-          <a:noFill/>
-          <a:ln>
-            <a:noFill/>
-          </a:ln>
         </p:spPr>
       </p:pic>
     </p:spTree>
@@ -31232,39 +31274,12 @@
       </p:sp>
       <p:pic>
         <p:nvPicPr>
-          <p:cNvPr id="208" name="Google Shape;208;p9" descr="-SET ESTUDIANTES DUOC HOTELERÍA | YOUniforms"/>
-          <p:cNvPicPr preferRelativeResize="0"/>
-          <p:nvPr/>
-        </p:nvPicPr>
-        <p:blipFill rotWithShape="1">
-          <a:blip r:embed="rId3">
-            <a:alphaModFix/>
-          </a:blip>
-          <a:srcRect/>
-          <a:stretch/>
-        </p:blipFill>
-        <p:spPr>
-          <a:xfrm>
-            <a:off x="9511578" y="387851"/>
-            <a:ext cx="2194560" cy="453771"/>
-          </a:xfrm>
-          <a:prstGeom prst="rect">
-            <a:avLst/>
-          </a:prstGeom>
-          <a:noFill/>
-          <a:ln>
-            <a:noFill/>
-          </a:ln>
-        </p:spPr>
-      </p:pic>
-      <p:pic>
-        <p:nvPicPr>
           <p:cNvPr id="209" name="Google Shape;209;p9"/>
           <p:cNvPicPr preferRelativeResize="0"/>
           <p:nvPr/>
         </p:nvPicPr>
         <p:blipFill>
-          <a:blip r:embed="rId4">
+          <a:blip r:embed="rId3">
             <a:alphaModFix/>
           </a:blip>
           <a:stretch>
@@ -31283,6 +31298,36 @@
           <a:ln>
             <a:noFill/>
           </a:ln>
+        </p:spPr>
+      </p:pic>
+      <p:pic>
+        <p:nvPicPr>
+          <p:cNvPr id="2" name="Imagen 1" descr="Logotipo&#10;&#10;Descripción generada automáticamente">
+            <a:extLst>
+              <a:ext uri="{FF2B5EF4-FFF2-40B4-BE49-F238E27FC236}">
+                <a16:creationId xmlns:a16="http://schemas.microsoft.com/office/drawing/2014/main" id="{FB757E85-9803-C066-097A-76899A8BDEE6}"/>
+              </a:ext>
+            </a:extLst>
+          </p:cNvPr>
+          <p:cNvPicPr>
+            <a:picLocks noChangeAspect="1"/>
+          </p:cNvPicPr>
+          <p:nvPr/>
+        </p:nvPicPr>
+        <p:blipFill>
+          <a:blip r:embed="rId4"/>
+          <a:stretch>
+            <a:fillRect/>
+          </a:stretch>
+        </p:blipFill>
+        <p:spPr>
+          <a:xfrm>
+            <a:off x="9287051" y="235039"/>
+            <a:ext cx="2723107" cy="670140"/>
+          </a:xfrm>
+          <a:prstGeom prst="rect">
+            <a:avLst/>
+          </a:prstGeom>
         </p:spPr>
       </p:pic>
     </p:spTree>
